--- a/WebContent/lyh/0508 이연학 (수정).pptx
+++ b/WebContent/lyh/0508 이연학 (수정).pptx
@@ -306,7 +306,7 @@
           <a:p>
             <a:fld id="{430E2096-4DA0-444D-886D-5455F907FF58}" type="datetimeFigureOut">
               <a:rPr lang="ko-KR" altLang="en-US" smtClean="0"/>
-              <a:t>2020-05-10</a:t>
+              <a:t>2020-05-11</a:t>
             </a:fld>
             <a:endParaRPr lang="ko-KR" altLang="en-US"/>
           </a:p>
@@ -474,7 +474,7 @@
           <a:p>
             <a:fld id="{430E2096-4DA0-444D-886D-5455F907FF58}" type="datetimeFigureOut">
               <a:rPr lang="ko-KR" altLang="en-US" smtClean="0"/>
-              <a:t>2020-05-10</a:t>
+              <a:t>2020-05-11</a:t>
             </a:fld>
             <a:endParaRPr lang="ko-KR" altLang="en-US"/>
           </a:p>
@@ -652,7 +652,7 @@
           <a:p>
             <a:fld id="{430E2096-4DA0-444D-886D-5455F907FF58}" type="datetimeFigureOut">
               <a:rPr lang="ko-KR" altLang="en-US" smtClean="0"/>
-              <a:t>2020-05-10</a:t>
+              <a:t>2020-05-11</a:t>
             </a:fld>
             <a:endParaRPr lang="ko-KR" altLang="en-US"/>
           </a:p>
@@ -820,7 +820,7 @@
           <a:p>
             <a:fld id="{430E2096-4DA0-444D-886D-5455F907FF58}" type="datetimeFigureOut">
               <a:rPr lang="ko-KR" altLang="en-US" smtClean="0"/>
-              <a:t>2020-05-10</a:t>
+              <a:t>2020-05-11</a:t>
             </a:fld>
             <a:endParaRPr lang="ko-KR" altLang="en-US"/>
           </a:p>
@@ -1065,7 +1065,7 @@
           <a:p>
             <a:fld id="{430E2096-4DA0-444D-886D-5455F907FF58}" type="datetimeFigureOut">
               <a:rPr lang="ko-KR" altLang="en-US" smtClean="0"/>
-              <a:t>2020-05-10</a:t>
+              <a:t>2020-05-11</a:t>
             </a:fld>
             <a:endParaRPr lang="ko-KR" altLang="en-US"/>
           </a:p>
@@ -1350,7 +1350,7 @@
           <a:p>
             <a:fld id="{430E2096-4DA0-444D-886D-5455F907FF58}" type="datetimeFigureOut">
               <a:rPr lang="ko-KR" altLang="en-US" smtClean="0"/>
-              <a:t>2020-05-10</a:t>
+              <a:t>2020-05-11</a:t>
             </a:fld>
             <a:endParaRPr lang="ko-KR" altLang="en-US"/>
           </a:p>
@@ -1769,7 +1769,7 @@
           <a:p>
             <a:fld id="{430E2096-4DA0-444D-886D-5455F907FF58}" type="datetimeFigureOut">
               <a:rPr lang="ko-KR" altLang="en-US" smtClean="0"/>
-              <a:t>2020-05-10</a:t>
+              <a:t>2020-05-11</a:t>
             </a:fld>
             <a:endParaRPr lang="ko-KR" altLang="en-US"/>
           </a:p>
@@ -1886,7 +1886,7 @@
           <a:p>
             <a:fld id="{430E2096-4DA0-444D-886D-5455F907FF58}" type="datetimeFigureOut">
               <a:rPr lang="ko-KR" altLang="en-US" smtClean="0"/>
-              <a:t>2020-05-10</a:t>
+              <a:t>2020-05-11</a:t>
             </a:fld>
             <a:endParaRPr lang="ko-KR" altLang="en-US"/>
           </a:p>
@@ -1981,7 +1981,7 @@
           <a:p>
             <a:fld id="{430E2096-4DA0-444D-886D-5455F907FF58}" type="datetimeFigureOut">
               <a:rPr lang="ko-KR" altLang="en-US" smtClean="0"/>
-              <a:t>2020-05-10</a:t>
+              <a:t>2020-05-11</a:t>
             </a:fld>
             <a:endParaRPr lang="ko-KR" altLang="en-US"/>
           </a:p>
@@ -2256,7 +2256,7 @@
           <a:p>
             <a:fld id="{430E2096-4DA0-444D-886D-5455F907FF58}" type="datetimeFigureOut">
               <a:rPr lang="ko-KR" altLang="en-US" smtClean="0"/>
-              <a:t>2020-05-10</a:t>
+              <a:t>2020-05-11</a:t>
             </a:fld>
             <a:endParaRPr lang="ko-KR" altLang="en-US"/>
           </a:p>
@@ -2508,7 +2508,7 @@
           <a:p>
             <a:fld id="{430E2096-4DA0-444D-886D-5455F907FF58}" type="datetimeFigureOut">
               <a:rPr lang="ko-KR" altLang="en-US" smtClean="0"/>
-              <a:t>2020-05-10</a:t>
+              <a:t>2020-05-11</a:t>
             </a:fld>
             <a:endParaRPr lang="ko-KR" altLang="en-US"/>
           </a:p>
@@ -2719,7 +2719,7 @@
           <a:p>
             <a:fld id="{430E2096-4DA0-444D-886D-5455F907FF58}" type="datetimeFigureOut">
               <a:rPr lang="ko-KR" altLang="en-US" smtClean="0"/>
-              <a:t>2020-05-10</a:t>
+              <a:t>2020-05-11</a:t>
             </a:fld>
             <a:endParaRPr lang="ko-KR" altLang="en-US"/>
           </a:p>
@@ -3662,28 +3662,28 @@
                 <a:gridCol w="546730">
                   <a:extLst>
                     <a:ext uri="{9D8B030D-6E8A-4147-A177-3AD203B41FA5}">
-                      <a16:colId xmlns:a16="http://schemas.microsoft.com/office/drawing/2014/main" val="20000"/>
+                      <a16:colId xmlns:a16="http://schemas.microsoft.com/office/drawing/2014/main" xmlns="" val="20000"/>
                     </a:ext>
                   </a:extLst>
                 </a:gridCol>
                 <a:gridCol w="1479535">
                   <a:extLst>
                     <a:ext uri="{9D8B030D-6E8A-4147-A177-3AD203B41FA5}">
-                      <a16:colId xmlns:a16="http://schemas.microsoft.com/office/drawing/2014/main" val="20001"/>
+                      <a16:colId xmlns:a16="http://schemas.microsoft.com/office/drawing/2014/main" xmlns="" val="20001"/>
                     </a:ext>
                   </a:extLst>
                 </a:gridCol>
                 <a:gridCol w="786316">
                   <a:extLst>
                     <a:ext uri="{9D8B030D-6E8A-4147-A177-3AD203B41FA5}">
-                      <a16:colId xmlns:a16="http://schemas.microsoft.com/office/drawing/2014/main" val="20002"/>
+                      <a16:colId xmlns:a16="http://schemas.microsoft.com/office/drawing/2014/main" xmlns="" val="20002"/>
                     </a:ext>
                   </a:extLst>
                 </a:gridCol>
                 <a:gridCol w="967773">
                   <a:extLst>
                     <a:ext uri="{9D8B030D-6E8A-4147-A177-3AD203B41FA5}">
-                      <a16:colId xmlns:a16="http://schemas.microsoft.com/office/drawing/2014/main" val="20003"/>
+                      <a16:colId xmlns:a16="http://schemas.microsoft.com/office/drawing/2014/main" xmlns="" val="20003"/>
                     </a:ext>
                   </a:extLst>
                 </a:gridCol>
@@ -3956,7 +3956,7 @@
                 </a:tc>
                 <a:extLst>
                   <a:ext uri="{0D108BD9-81ED-4DB2-BD59-A6C34878D82A}">
-                    <a16:rowId xmlns:a16="http://schemas.microsoft.com/office/drawing/2014/main" val="10000"/>
+                    <a16:rowId xmlns:a16="http://schemas.microsoft.com/office/drawing/2014/main" xmlns="" val="10000"/>
                   </a:ext>
                 </a:extLst>
               </a:tr>
@@ -4199,7 +4199,7 @@
                 </a:tc>
                 <a:extLst>
                   <a:ext uri="{0D108BD9-81ED-4DB2-BD59-A6C34878D82A}">
-                    <a16:rowId xmlns:a16="http://schemas.microsoft.com/office/drawing/2014/main" val="10001"/>
+                    <a16:rowId xmlns:a16="http://schemas.microsoft.com/office/drawing/2014/main" xmlns="" val="10001"/>
                   </a:ext>
                 </a:extLst>
               </a:tr>
@@ -4442,7 +4442,7 @@
                 </a:tc>
                 <a:extLst>
                   <a:ext uri="{0D108BD9-81ED-4DB2-BD59-A6C34878D82A}">
-                    <a16:rowId xmlns:a16="http://schemas.microsoft.com/office/drawing/2014/main" val="10002"/>
+                    <a16:rowId xmlns:a16="http://schemas.microsoft.com/office/drawing/2014/main" xmlns="" val="10002"/>
                   </a:ext>
                 </a:extLst>
               </a:tr>
@@ -4685,7 +4685,7 @@
                 </a:tc>
                 <a:extLst>
                   <a:ext uri="{0D108BD9-81ED-4DB2-BD59-A6C34878D82A}">
-                    <a16:rowId xmlns:a16="http://schemas.microsoft.com/office/drawing/2014/main" val="10003"/>
+                    <a16:rowId xmlns:a16="http://schemas.microsoft.com/office/drawing/2014/main" xmlns="" val="10003"/>
                   </a:ext>
                 </a:extLst>
               </a:tr>
@@ -4928,7 +4928,7 @@
                 </a:tc>
                 <a:extLst>
                   <a:ext uri="{0D108BD9-81ED-4DB2-BD59-A6C34878D82A}">
-                    <a16:rowId xmlns:a16="http://schemas.microsoft.com/office/drawing/2014/main" val="10004"/>
+                    <a16:rowId xmlns:a16="http://schemas.microsoft.com/office/drawing/2014/main" xmlns="" val="10004"/>
                   </a:ext>
                 </a:extLst>
               </a:tr>
@@ -4997,21 +4997,21 @@
                 <a:gridCol w="380733">
                   <a:extLst>
                     <a:ext uri="{9D8B030D-6E8A-4147-A177-3AD203B41FA5}">
-                      <a16:colId xmlns:a16="http://schemas.microsoft.com/office/drawing/2014/main" val="20000"/>
+                      <a16:colId xmlns:a16="http://schemas.microsoft.com/office/drawing/2014/main" xmlns="" val="20000"/>
                     </a:ext>
                   </a:extLst>
                 </a:gridCol>
                 <a:gridCol w="371999">
                   <a:extLst>
                     <a:ext uri="{9D8B030D-6E8A-4147-A177-3AD203B41FA5}">
-                      <a16:colId xmlns:a16="http://schemas.microsoft.com/office/drawing/2014/main" val="20001"/>
+                      <a16:colId xmlns:a16="http://schemas.microsoft.com/office/drawing/2014/main" xmlns="" val="20001"/>
                     </a:ext>
                   </a:extLst>
                 </a:gridCol>
                 <a:gridCol w="371999">
                   <a:extLst>
                     <a:ext uri="{9D8B030D-6E8A-4147-A177-3AD203B41FA5}">
-                      <a16:colId xmlns:a16="http://schemas.microsoft.com/office/drawing/2014/main" val="20002"/>
+                      <a16:colId xmlns:a16="http://schemas.microsoft.com/office/drawing/2014/main" xmlns="" val="20002"/>
                     </a:ext>
                   </a:extLst>
                 </a:gridCol>
@@ -5232,7 +5232,7 @@
                 </a:tc>
                 <a:extLst>
                   <a:ext uri="{0D108BD9-81ED-4DB2-BD59-A6C34878D82A}">
-                    <a16:rowId xmlns:a16="http://schemas.microsoft.com/office/drawing/2014/main" val="10000"/>
+                    <a16:rowId xmlns:a16="http://schemas.microsoft.com/office/drawing/2014/main" xmlns="" val="10000"/>
                   </a:ext>
                 </a:extLst>
               </a:tr>
@@ -5323,7 +5323,7 @@
                 <a:gridCol w="1039287">
                   <a:extLst>
                     <a:ext uri="{9D8B030D-6E8A-4147-A177-3AD203B41FA5}">
-                      <a16:colId xmlns:a16="http://schemas.microsoft.com/office/drawing/2014/main" val="20000"/>
+                      <a16:colId xmlns:a16="http://schemas.microsoft.com/office/drawing/2014/main" xmlns="" val="20000"/>
                     </a:ext>
                   </a:extLst>
                 </a:gridCol>
@@ -5390,7 +5390,7 @@
                 </a:tc>
                 <a:extLst>
                   <a:ext uri="{0D108BD9-81ED-4DB2-BD59-A6C34878D82A}">
-                    <a16:rowId xmlns:a16="http://schemas.microsoft.com/office/drawing/2014/main" val="10000"/>
+                    <a16:rowId xmlns:a16="http://schemas.microsoft.com/office/drawing/2014/main" xmlns="" val="10000"/>
                   </a:ext>
                 </a:extLst>
               </a:tr>
@@ -5456,7 +5456,7 @@
                 </a:tc>
                 <a:extLst>
                   <a:ext uri="{0D108BD9-81ED-4DB2-BD59-A6C34878D82A}">
-                    <a16:rowId xmlns:a16="http://schemas.microsoft.com/office/drawing/2014/main" val="10001"/>
+                    <a16:rowId xmlns:a16="http://schemas.microsoft.com/office/drawing/2014/main" xmlns="" val="10001"/>
                   </a:ext>
                 </a:extLst>
               </a:tr>
@@ -5522,7 +5522,7 @@
                 </a:tc>
                 <a:extLst>
                   <a:ext uri="{0D108BD9-81ED-4DB2-BD59-A6C34878D82A}">
-                    <a16:rowId xmlns:a16="http://schemas.microsoft.com/office/drawing/2014/main" val="10002"/>
+                    <a16:rowId xmlns:a16="http://schemas.microsoft.com/office/drawing/2014/main" xmlns="" val="10002"/>
                   </a:ext>
                 </a:extLst>
               </a:tr>
@@ -5588,7 +5588,7 @@
                 </a:tc>
                 <a:extLst>
                   <a:ext uri="{0D108BD9-81ED-4DB2-BD59-A6C34878D82A}">
-                    <a16:rowId xmlns:a16="http://schemas.microsoft.com/office/drawing/2014/main" val="10003"/>
+                    <a16:rowId xmlns:a16="http://schemas.microsoft.com/office/drawing/2014/main" xmlns="" val="10003"/>
                   </a:ext>
                 </a:extLst>
               </a:tr>
@@ -5654,7 +5654,7 @@
                 </a:tc>
                 <a:extLst>
                   <a:ext uri="{0D108BD9-81ED-4DB2-BD59-A6C34878D82A}">
-                    <a16:rowId xmlns:a16="http://schemas.microsoft.com/office/drawing/2014/main" val="10004"/>
+                    <a16:rowId xmlns:a16="http://schemas.microsoft.com/office/drawing/2014/main" xmlns="" val="10004"/>
                   </a:ext>
                 </a:extLst>
               </a:tr>
@@ -6085,15 +6085,19 @@
               <a:t>업무 등록 </a:t>
             </a:r>
             <a:r>
-              <a:rPr lang="en-US" altLang="ko-KR" sz="1400" dirty="0"/>
-              <a:t>( </a:t>
-            </a:r>
-            <a:r>
-              <a:rPr lang="ko-KR" altLang="en-US" sz="1400" dirty="0"/>
-              <a:t>팀장 </a:t>
-            </a:r>
-            <a:r>
-              <a:rPr lang="en-US" altLang="ko-KR" sz="1400" dirty="0"/>
+              <a:rPr lang="en-US" altLang="ko-KR" sz="1400" dirty="0" smtClean="0"/>
+              <a:t>(</a:t>
+            </a:r>
+            <a:r>
+              <a:rPr lang="en-US" altLang="ko-KR" sz="1400" dirty="0" smtClean="0">
+                <a:solidFill>
+                  <a:prstClr val="black"/>
+                </a:solidFill>
+              </a:rPr>
+              <a:t>PM</a:t>
+            </a:r>
+            <a:r>
+              <a:rPr lang="en-US" altLang="ko-KR" sz="1400" dirty="0" smtClean="0"/>
               <a:t>)</a:t>
             </a:r>
             <a:endParaRPr lang="ko-KR" altLang="en-US" sz="1400" dirty="0"/>
@@ -6167,7 +6171,7 @@
               <a:t>화면설계</a:t>
             </a:r>
             <a:r>
-              <a:rPr lang="en-US" altLang="ko-KR" sz="2400" dirty="0">
+              <a:rPr lang="en-US" altLang="ko-KR" sz="2400" dirty="0" smtClean="0">
                 <a:solidFill>
                   <a:prstClr val="black">
                     <a:lumMod val="75000"/>
@@ -6177,33 +6181,7 @@
                 <a:latin typeface="타이포_스톰 B" panose="02020503020101020101" pitchFamily="18" charset="-127"/>
                 <a:ea typeface="타이포_스톰 B" panose="02020503020101020101" pitchFamily="18" charset="-127"/>
               </a:rPr>
-              <a:t>] </a:t>
-            </a:r>
-            <a:r>
-              <a:rPr lang="ko-KR" altLang="en-US" sz="2400" dirty="0">
-                <a:solidFill>
-                  <a:prstClr val="black">
-                    <a:lumMod val="75000"/>
-                    <a:lumOff val="25000"/>
-                  </a:prstClr>
-                </a:solidFill>
-                <a:latin typeface="타이포_스톰 B" panose="02020503020101020101" pitchFamily="18" charset="-127"/>
-                <a:ea typeface="타이포_스톰 B" panose="02020503020101020101" pitchFamily="18" charset="-127"/>
-              </a:rPr>
-              <a:t>팀장</a:t>
-            </a:r>
-            <a:r>
-              <a:rPr lang="en-US" altLang="ko-KR" sz="2400" dirty="0">
-                <a:solidFill>
-                  <a:prstClr val="black">
-                    <a:lumMod val="75000"/>
-                    <a:lumOff val="25000"/>
-                  </a:prstClr>
-                </a:solidFill>
-                <a:latin typeface="타이포_스톰 B" panose="02020503020101020101" pitchFamily="18" charset="-127"/>
-                <a:ea typeface="타이포_스톰 B" panose="02020503020101020101" pitchFamily="18" charset="-127"/>
-              </a:rPr>
-              <a:t>, </a:t>
+              <a:t>] PM , </a:t>
             </a:r>
             <a:r>
               <a:rPr lang="ko-KR" altLang="en-US" sz="2400" dirty="0">
@@ -7771,7 +7749,7 @@
               <a:t>] </a:t>
             </a:r>
             <a:r>
-              <a:rPr lang="ko-KR" altLang="en-US" sz="2400" dirty="0">
+              <a:rPr lang="en-US" altLang="ko-KR" sz="2400" dirty="0">
                 <a:solidFill>
                   <a:prstClr val="black">
                     <a:lumMod val="75000"/>
@@ -7781,8 +7759,18 @@
                 <a:latin typeface="타이포_스톰 B" panose="02020503020101020101" pitchFamily="18" charset="-127"/>
                 <a:ea typeface="타이포_스톰 B" panose="02020503020101020101" pitchFamily="18" charset="-127"/>
               </a:rPr>
-              <a:t>팀장</a:t>
-            </a:r>
+              <a:t>PM</a:t>
+            </a:r>
+            <a:endParaRPr lang="ko-KR" altLang="en-US" sz="2400" dirty="0">
+              <a:solidFill>
+                <a:prstClr val="black">
+                  <a:lumMod val="75000"/>
+                  <a:lumOff val="25000"/>
+                </a:prstClr>
+              </a:solidFill>
+              <a:latin typeface="타이포_스톰 B" panose="02020503020101020101" pitchFamily="18" charset="-127"/>
+              <a:ea typeface="타이포_스톰 B" panose="02020503020101020101" pitchFamily="18" charset="-127"/>
+            </a:endParaRPr>
           </a:p>
         </p:txBody>
       </p:sp>
@@ -9425,8 +9413,20 @@
           <a:lstStyle/>
           <a:p>
             <a:r>
+              <a:rPr lang="en-US" altLang="ko-KR" sz="1400" dirty="0">
+                <a:solidFill>
+                  <a:prstClr val="black"/>
+                </a:solidFill>
+              </a:rPr>
+              <a:t>PM</a:t>
+            </a:r>
+            <a:r>
+              <a:rPr lang="ko-KR" altLang="en-US" sz="1400" dirty="0" smtClean="0"/>
+              <a:t> </a:t>
+            </a:r>
+            <a:r>
               <a:rPr lang="ko-KR" altLang="en-US" sz="1400" dirty="0"/>
-              <a:t>팀장 코멘트</a:t>
+              <a:t>코멘트</a:t>
             </a:r>
           </a:p>
         </p:txBody>
@@ -9511,7 +9511,7 @@
               <a:t>] </a:t>
             </a:r>
             <a:r>
-              <a:rPr lang="ko-KR" altLang="en-US" sz="2400" dirty="0">
+              <a:rPr lang="en-US" altLang="ko-KR" sz="2400" dirty="0">
                 <a:solidFill>
                   <a:prstClr val="black">
                     <a:lumMod val="75000"/>
@@ -9521,10 +9521,10 @@
                 <a:latin typeface="타이포_스톰 B" panose="02020503020101020101" pitchFamily="18" charset="-127"/>
                 <a:ea typeface="타이포_스톰 B" panose="02020503020101020101" pitchFamily="18" charset="-127"/>
               </a:rPr>
-              <a:t>팀장</a:t>
-            </a:r>
-            <a:r>
-              <a:rPr lang="en-US" altLang="ko-KR" sz="2400" dirty="0">
+              <a:t>PM, </a:t>
+            </a:r>
+            <a:r>
+              <a:rPr lang="ko-KR" altLang="en-US" sz="2400" dirty="0">
                 <a:solidFill>
                   <a:prstClr val="black">
                     <a:lumMod val="75000"/>
@@ -9534,19 +9534,6 @@
                 <a:latin typeface="타이포_스톰 B" panose="02020503020101020101" pitchFamily="18" charset="-127"/>
                 <a:ea typeface="타이포_스톰 B" panose="02020503020101020101" pitchFamily="18" charset="-127"/>
               </a:rPr>
-              <a:t>, </a:t>
-            </a:r>
-            <a:r>
-              <a:rPr lang="ko-KR" altLang="en-US" sz="2400" dirty="0">
-                <a:solidFill>
-                  <a:prstClr val="black">
-                    <a:lumMod val="75000"/>
-                    <a:lumOff val="25000"/>
-                  </a:prstClr>
-                </a:solidFill>
-                <a:latin typeface="타이포_스톰 B" panose="02020503020101020101" pitchFamily="18" charset="-127"/>
-                <a:ea typeface="타이포_스톰 B" panose="02020503020101020101" pitchFamily="18" charset="-127"/>
-              </a:rPr>
               <a:t>팀원</a:t>
             </a:r>
           </a:p>
@@ -9557,7 +9544,7 @@
           <p:cNvPr id="47" name="직사각형 46">
             <a:extLst>
               <a:ext uri="{FF2B5EF4-FFF2-40B4-BE49-F238E27FC236}">
-                <a16:creationId xmlns:a16="http://schemas.microsoft.com/office/drawing/2014/main" id="{34311E58-C914-4142-81CB-3848F9C6C5EF}"/>
+                <a16:creationId xmlns:a16="http://schemas.microsoft.com/office/drawing/2014/main" xmlns="" id="{34311E58-C914-4142-81CB-3848F9C6C5EF}"/>
               </a:ext>
             </a:extLst>
           </p:cNvPr>
@@ -9618,7 +9605,7 @@
           <p:cNvPr id="48" name="직사각형 47">
             <a:extLst>
               <a:ext uri="{FF2B5EF4-FFF2-40B4-BE49-F238E27FC236}">
-                <a16:creationId xmlns:a16="http://schemas.microsoft.com/office/drawing/2014/main" id="{6342F9A2-93F2-4E14-90CD-13DF066733E0}"/>
+                <a16:creationId xmlns:a16="http://schemas.microsoft.com/office/drawing/2014/main" xmlns="" id="{6342F9A2-93F2-4E14-90CD-13DF066733E0}"/>
               </a:ext>
             </a:extLst>
           </p:cNvPr>
@@ -9679,7 +9666,7 @@
           <p:cNvPr id="50" name="직사각형 16">
             <a:extLst>
               <a:ext uri="{FF2B5EF4-FFF2-40B4-BE49-F238E27FC236}">
-                <a16:creationId xmlns:a16="http://schemas.microsoft.com/office/drawing/2014/main" id="{8B985545-33CA-4A1C-9407-4B9E20BB05C1}"/>
+                <a16:creationId xmlns:a16="http://schemas.microsoft.com/office/drawing/2014/main" xmlns="" id="{8B985545-33CA-4A1C-9407-4B9E20BB05C1}"/>
               </a:ext>
             </a:extLst>
           </p:cNvPr>
@@ -9740,7 +9727,7 @@
           <p:cNvPr id="51" name="직사각형 16">
             <a:extLst>
               <a:ext uri="{FF2B5EF4-FFF2-40B4-BE49-F238E27FC236}">
-                <a16:creationId xmlns:a16="http://schemas.microsoft.com/office/drawing/2014/main" id="{3EC236B4-B73F-482E-A9ED-0773F9F22A6B}"/>
+                <a16:creationId xmlns:a16="http://schemas.microsoft.com/office/drawing/2014/main" xmlns="" id="{3EC236B4-B73F-482E-A9ED-0773F9F22A6B}"/>
               </a:ext>
             </a:extLst>
           </p:cNvPr>
@@ -9801,7 +9788,7 @@
           <p:cNvPr id="52" name="TextBox 51">
             <a:extLst>
               <a:ext uri="{FF2B5EF4-FFF2-40B4-BE49-F238E27FC236}">
-                <a16:creationId xmlns:a16="http://schemas.microsoft.com/office/drawing/2014/main" id="{DECDA81B-7958-4ADB-BB24-5602D2ECA700}"/>
+                <a16:creationId xmlns:a16="http://schemas.microsoft.com/office/drawing/2014/main" xmlns="" id="{DECDA81B-7958-4ADB-BB24-5602D2ECA700}"/>
               </a:ext>
             </a:extLst>
           </p:cNvPr>
@@ -9837,12 +9824,20 @@
               <a:t>삭제 </a:t>
             </a:r>
             <a:r>
-              <a:rPr lang="en-US" altLang="ko-KR" sz="1400" dirty="0"/>
+              <a:rPr lang="en-US" altLang="ko-KR" sz="1400" dirty="0" smtClean="0"/>
               <a:t>(</a:t>
             </a:r>
             <a:r>
-              <a:rPr lang="ko-KR" altLang="en-US" sz="1400" dirty="0"/>
-              <a:t>팀장권한</a:t>
+              <a:rPr lang="en-US" altLang="ko-KR" sz="1400" dirty="0">
+                <a:solidFill>
+                  <a:prstClr val="black"/>
+                </a:solidFill>
+              </a:rPr>
+              <a:t>PM </a:t>
+            </a:r>
+            <a:r>
+              <a:rPr lang="ko-KR" altLang="en-US" sz="1400" dirty="0" smtClean="0"/>
+              <a:t>권한</a:t>
             </a:r>
             <a:r>
               <a:rPr lang="en-US" altLang="ko-KR" sz="1400" dirty="0"/>
@@ -10426,7 +10421,7 @@
                 <a:gridCol w="2381332">
                   <a:extLst>
                     <a:ext uri="{9D8B030D-6E8A-4147-A177-3AD203B41FA5}">
-                      <a16:colId xmlns:a16="http://schemas.microsoft.com/office/drawing/2014/main" val="20000"/>
+                      <a16:colId xmlns:a16="http://schemas.microsoft.com/office/drawing/2014/main" xmlns="" val="20000"/>
                     </a:ext>
                   </a:extLst>
                 </a:gridCol>
@@ -10485,7 +10480,7 @@
                 </a:tc>
                 <a:extLst>
                   <a:ext uri="{0D108BD9-81ED-4DB2-BD59-A6C34878D82A}">
-                    <a16:rowId xmlns:a16="http://schemas.microsoft.com/office/drawing/2014/main" val="10000"/>
+                    <a16:rowId xmlns:a16="http://schemas.microsoft.com/office/drawing/2014/main" xmlns="" val="10000"/>
                   </a:ext>
                 </a:extLst>
               </a:tr>
@@ -10543,7 +10538,7 @@
                 </a:tc>
                 <a:extLst>
                   <a:ext uri="{0D108BD9-81ED-4DB2-BD59-A6C34878D82A}">
-                    <a16:rowId xmlns:a16="http://schemas.microsoft.com/office/drawing/2014/main" val="10001"/>
+                    <a16:rowId xmlns:a16="http://schemas.microsoft.com/office/drawing/2014/main" xmlns="" val="10001"/>
                   </a:ext>
                 </a:extLst>
               </a:tr>
@@ -10601,7 +10596,7 @@
                 </a:tc>
                 <a:extLst>
                   <a:ext uri="{0D108BD9-81ED-4DB2-BD59-A6C34878D82A}">
-                    <a16:rowId xmlns:a16="http://schemas.microsoft.com/office/drawing/2014/main" val="10002"/>
+                    <a16:rowId xmlns:a16="http://schemas.microsoft.com/office/drawing/2014/main" xmlns="" val="10002"/>
                   </a:ext>
                 </a:extLst>
               </a:tr>
@@ -10659,7 +10654,7 @@
                 </a:tc>
                 <a:extLst>
                   <a:ext uri="{0D108BD9-81ED-4DB2-BD59-A6C34878D82A}">
-                    <a16:rowId xmlns:a16="http://schemas.microsoft.com/office/drawing/2014/main" val="10003"/>
+                    <a16:rowId xmlns:a16="http://schemas.microsoft.com/office/drawing/2014/main" xmlns="" val="10003"/>
                   </a:ext>
                 </a:extLst>
               </a:tr>
@@ -10717,7 +10712,7 @@
                 </a:tc>
                 <a:extLst>
                   <a:ext uri="{0D108BD9-81ED-4DB2-BD59-A6C34878D82A}">
-                    <a16:rowId xmlns:a16="http://schemas.microsoft.com/office/drawing/2014/main" val="10004"/>
+                    <a16:rowId xmlns:a16="http://schemas.microsoft.com/office/drawing/2014/main" xmlns="" val="10004"/>
                   </a:ext>
                 </a:extLst>
               </a:tr>
@@ -12027,7 +12022,7 @@
               <a:t>] </a:t>
             </a:r>
             <a:r>
-              <a:rPr lang="ko-KR" altLang="en-US" sz="2400" dirty="0">
+              <a:rPr lang="en-US" altLang="ko-KR" sz="2400" dirty="0">
                 <a:solidFill>
                   <a:prstClr val="black">
                     <a:lumMod val="75000"/>
@@ -12037,20 +12032,7 @@
                 <a:latin typeface="타이포_스톰 B" panose="02020503020101020101" pitchFamily="18" charset="-127"/>
                 <a:ea typeface="타이포_스톰 B" panose="02020503020101020101" pitchFamily="18" charset="-127"/>
               </a:rPr>
-              <a:t>팀장</a:t>
-            </a:r>
-            <a:r>
-              <a:rPr lang="en-US" altLang="ko-KR" sz="2400" dirty="0">
-                <a:solidFill>
-                  <a:prstClr val="black">
-                    <a:lumMod val="75000"/>
-                    <a:lumOff val="25000"/>
-                  </a:prstClr>
-                </a:solidFill>
-                <a:latin typeface="타이포_스톰 B" panose="02020503020101020101" pitchFamily="18" charset="-127"/>
-                <a:ea typeface="타이포_스톰 B" panose="02020503020101020101" pitchFamily="18" charset="-127"/>
-              </a:rPr>
-              <a:t>, </a:t>
+              <a:t>PM, </a:t>
             </a:r>
             <a:r>
               <a:rPr lang="ko-KR" altLang="en-US" sz="2400" dirty="0">
@@ -12813,23 +12795,7 @@
                   <a:prstClr val="black"/>
                 </a:solidFill>
               </a:rPr>
-              <a:t>(</a:t>
-            </a:r>
-            <a:r>
-              <a:rPr lang="ko-KR" altLang="en-US" sz="1400" dirty="0">
-                <a:solidFill>
-                  <a:prstClr val="black"/>
-                </a:solidFill>
-              </a:rPr>
-              <a:t>팀장</a:t>
-            </a:r>
-            <a:r>
-              <a:rPr lang="en-US" altLang="ko-KR" sz="1400" dirty="0">
-                <a:solidFill>
-                  <a:prstClr val="black"/>
-                </a:solidFill>
-              </a:rPr>
-              <a:t>)</a:t>
+              <a:t>(PM)</a:t>
             </a:r>
             <a:endParaRPr lang="ko-KR" altLang="en-US" sz="1400" dirty="0">
               <a:solidFill>
@@ -13671,7 +13637,7 @@
               <a:t>] </a:t>
             </a:r>
             <a:r>
-              <a:rPr lang="ko-KR" altLang="en-US" sz="2400" dirty="0">
+              <a:rPr lang="en-US" altLang="ko-KR" sz="2400" dirty="0">
                 <a:solidFill>
                   <a:prstClr val="black">
                     <a:lumMod val="75000"/>
@@ -13681,10 +13647,10 @@
                 <a:latin typeface="타이포_스톰 B" panose="02020503020101020101" pitchFamily="18" charset="-127"/>
                 <a:ea typeface="타이포_스톰 B" panose="02020503020101020101" pitchFamily="18" charset="-127"/>
               </a:rPr>
-              <a:t>팀장</a:t>
-            </a:r>
-            <a:r>
-              <a:rPr lang="en-US" altLang="ko-KR" sz="2400" dirty="0">
+              <a:t>PM, </a:t>
+            </a:r>
+            <a:r>
+              <a:rPr lang="ko-KR" altLang="en-US" sz="2400" dirty="0">
                 <a:solidFill>
                   <a:prstClr val="black">
                     <a:lumMod val="75000"/>
@@ -13694,19 +13660,6 @@
                 <a:latin typeface="타이포_스톰 B" panose="02020503020101020101" pitchFamily="18" charset="-127"/>
                 <a:ea typeface="타이포_스톰 B" panose="02020503020101020101" pitchFamily="18" charset="-127"/>
               </a:rPr>
-              <a:t>, </a:t>
-            </a:r>
-            <a:r>
-              <a:rPr lang="ko-KR" altLang="en-US" sz="2400" dirty="0">
-                <a:solidFill>
-                  <a:prstClr val="black">
-                    <a:lumMod val="75000"/>
-                    <a:lumOff val="25000"/>
-                  </a:prstClr>
-                </a:solidFill>
-                <a:latin typeface="타이포_스톰 B" panose="02020503020101020101" pitchFamily="18" charset="-127"/>
-                <a:ea typeface="타이포_스톰 B" panose="02020503020101020101" pitchFamily="18" charset="-127"/>
-              </a:rPr>
               <a:t>팀원</a:t>
             </a:r>
           </a:p>
@@ -13717,7 +13670,7 @@
           <p:cNvPr id="33" name="직사각형 32">
             <a:extLst>
               <a:ext uri="{FF2B5EF4-FFF2-40B4-BE49-F238E27FC236}">
-                <a16:creationId xmlns:a16="http://schemas.microsoft.com/office/drawing/2014/main" id="{841A8FF5-CA20-4DDE-8431-4E58E54B195C}"/>
+                <a16:creationId xmlns:a16="http://schemas.microsoft.com/office/drawing/2014/main" xmlns="" id="{841A8FF5-CA20-4DDE-8431-4E58E54B195C}"/>
               </a:ext>
             </a:extLst>
           </p:cNvPr>
@@ -13783,7 +13736,7 @@
           <p:cNvPr id="37" name="직사각형 36">
             <a:extLst>
               <a:ext uri="{FF2B5EF4-FFF2-40B4-BE49-F238E27FC236}">
-                <a16:creationId xmlns:a16="http://schemas.microsoft.com/office/drawing/2014/main" id="{16F75BCB-2AE6-48B1-93F0-E1A724BAB435}"/>
+                <a16:creationId xmlns:a16="http://schemas.microsoft.com/office/drawing/2014/main" xmlns="" id="{16F75BCB-2AE6-48B1-93F0-E1A724BAB435}"/>
               </a:ext>
             </a:extLst>
           </p:cNvPr>
@@ -13844,7 +13797,7 @@
           <p:cNvPr id="38" name="직사각형 37">
             <a:extLst>
               <a:ext uri="{FF2B5EF4-FFF2-40B4-BE49-F238E27FC236}">
-                <a16:creationId xmlns:a16="http://schemas.microsoft.com/office/drawing/2014/main" id="{EB8EBEA6-D119-4E2C-A195-D9B49081CCA9}"/>
+                <a16:creationId xmlns:a16="http://schemas.microsoft.com/office/drawing/2014/main" xmlns="" id="{EB8EBEA6-D119-4E2C-A195-D9B49081CCA9}"/>
               </a:ext>
             </a:extLst>
           </p:cNvPr>
@@ -13905,7 +13858,7 @@
           <p:cNvPr id="49" name="직사각형 48">
             <a:extLst>
               <a:ext uri="{FF2B5EF4-FFF2-40B4-BE49-F238E27FC236}">
-                <a16:creationId xmlns:a16="http://schemas.microsoft.com/office/drawing/2014/main" id="{9716A5EE-E121-4316-A116-3E89FD75934B}"/>
+                <a16:creationId xmlns:a16="http://schemas.microsoft.com/office/drawing/2014/main" xmlns="" id="{9716A5EE-E121-4316-A116-3E89FD75934B}"/>
               </a:ext>
             </a:extLst>
           </p:cNvPr>
@@ -13966,7 +13919,7 @@
           <p:cNvPr id="52" name="TextBox 51">
             <a:extLst>
               <a:ext uri="{FF2B5EF4-FFF2-40B4-BE49-F238E27FC236}">
-                <a16:creationId xmlns:a16="http://schemas.microsoft.com/office/drawing/2014/main" id="{D7B5F431-7BD3-4727-9671-36DB29FD7FD5}"/>
+                <a16:creationId xmlns:a16="http://schemas.microsoft.com/office/drawing/2014/main" xmlns="" id="{D7B5F431-7BD3-4727-9671-36DB29FD7FD5}"/>
               </a:ext>
             </a:extLst>
           </p:cNvPr>
@@ -14002,12 +13955,20 @@
               <a:t>삭제 </a:t>
             </a:r>
             <a:r>
-              <a:rPr lang="en-US" altLang="ko-KR" sz="1400" dirty="0"/>
+              <a:rPr lang="en-US" altLang="ko-KR" sz="1400" dirty="0" smtClean="0"/>
               <a:t>(</a:t>
             </a:r>
             <a:r>
-              <a:rPr lang="ko-KR" altLang="en-US" sz="1400" dirty="0"/>
-              <a:t>팀장권한</a:t>
+              <a:rPr lang="en-US" altLang="ko-KR" sz="1400" dirty="0">
+                <a:solidFill>
+                  <a:prstClr val="black"/>
+                </a:solidFill>
+              </a:rPr>
+              <a:t>PM </a:t>
+            </a:r>
+            <a:r>
+              <a:rPr lang="ko-KR" altLang="en-US" sz="1400" dirty="0" smtClean="0"/>
+              <a:t>권한</a:t>
             </a:r>
             <a:r>
               <a:rPr lang="en-US" altLang="ko-KR" sz="1400" dirty="0"/>
